--- a/fluxo do projeto.pptx
+++ b/fluxo do projeto.pptx
@@ -3266,7 +3266,7 @@
           <a:p>
             <a:fld id="{39E410F3-532C-4407-B910-537CB75C3DC4}" type="datetimeFigureOut">
               <a:rPr lang="pt-BR" smtClean="0"/>
-              <a:t>23/11/2023</a:t>
+              <a:t>28/11/2023</a:t>
             </a:fld>
             <a:endParaRPr lang="pt-BR"/>
           </a:p>
@@ -3464,7 +3464,7 @@
           <a:p>
             <a:fld id="{39E410F3-532C-4407-B910-537CB75C3DC4}" type="datetimeFigureOut">
               <a:rPr lang="pt-BR" smtClean="0"/>
-              <a:t>23/11/2023</a:t>
+              <a:t>28/11/2023</a:t>
             </a:fld>
             <a:endParaRPr lang="pt-BR"/>
           </a:p>
@@ -3672,7 +3672,7 @@
           <a:p>
             <a:fld id="{39E410F3-532C-4407-B910-537CB75C3DC4}" type="datetimeFigureOut">
               <a:rPr lang="pt-BR" smtClean="0"/>
-              <a:t>23/11/2023</a:t>
+              <a:t>28/11/2023</a:t>
             </a:fld>
             <a:endParaRPr lang="pt-BR"/>
           </a:p>
@@ -3870,7 +3870,7 @@
           <a:p>
             <a:fld id="{39E410F3-532C-4407-B910-537CB75C3DC4}" type="datetimeFigureOut">
               <a:rPr lang="pt-BR" smtClean="0"/>
-              <a:t>23/11/2023</a:t>
+              <a:t>28/11/2023</a:t>
             </a:fld>
             <a:endParaRPr lang="pt-BR"/>
           </a:p>
@@ -4145,7 +4145,7 @@
           <a:p>
             <a:fld id="{39E410F3-532C-4407-B910-537CB75C3DC4}" type="datetimeFigureOut">
               <a:rPr lang="pt-BR" smtClean="0"/>
-              <a:t>23/11/2023</a:t>
+              <a:t>28/11/2023</a:t>
             </a:fld>
             <a:endParaRPr lang="pt-BR"/>
           </a:p>
@@ -4410,7 +4410,7 @@
           <a:p>
             <a:fld id="{39E410F3-532C-4407-B910-537CB75C3DC4}" type="datetimeFigureOut">
               <a:rPr lang="pt-BR" smtClean="0"/>
-              <a:t>23/11/2023</a:t>
+              <a:t>28/11/2023</a:t>
             </a:fld>
             <a:endParaRPr lang="pt-BR"/>
           </a:p>
@@ -4822,7 +4822,7 @@
           <a:p>
             <a:fld id="{39E410F3-532C-4407-B910-537CB75C3DC4}" type="datetimeFigureOut">
               <a:rPr lang="pt-BR" smtClean="0"/>
-              <a:t>23/11/2023</a:t>
+              <a:t>28/11/2023</a:t>
             </a:fld>
             <a:endParaRPr lang="pt-BR"/>
           </a:p>
@@ -4963,7 +4963,7 @@
           <a:p>
             <a:fld id="{39E410F3-532C-4407-B910-537CB75C3DC4}" type="datetimeFigureOut">
               <a:rPr lang="pt-BR" smtClean="0"/>
-              <a:t>23/11/2023</a:t>
+              <a:t>28/11/2023</a:t>
             </a:fld>
             <a:endParaRPr lang="pt-BR"/>
           </a:p>
@@ -5076,7 +5076,7 @@
           <a:p>
             <a:fld id="{39E410F3-532C-4407-B910-537CB75C3DC4}" type="datetimeFigureOut">
               <a:rPr lang="pt-BR" smtClean="0"/>
-              <a:t>23/11/2023</a:t>
+              <a:t>28/11/2023</a:t>
             </a:fld>
             <a:endParaRPr lang="pt-BR"/>
           </a:p>
@@ -5387,7 +5387,7 @@
           <a:p>
             <a:fld id="{39E410F3-532C-4407-B910-537CB75C3DC4}" type="datetimeFigureOut">
               <a:rPr lang="pt-BR" smtClean="0"/>
-              <a:t>23/11/2023</a:t>
+              <a:t>28/11/2023</a:t>
             </a:fld>
             <a:endParaRPr lang="pt-BR"/>
           </a:p>
@@ -5675,7 +5675,7 @@
           <a:p>
             <a:fld id="{39E410F3-532C-4407-B910-537CB75C3DC4}" type="datetimeFigureOut">
               <a:rPr lang="pt-BR" smtClean="0"/>
-              <a:t>23/11/2023</a:t>
+              <a:t>28/11/2023</a:t>
             </a:fld>
             <a:endParaRPr lang="pt-BR"/>
           </a:p>
@@ -5916,7 +5916,7 @@
           <a:p>
             <a:fld id="{39E410F3-532C-4407-B910-537CB75C3DC4}" type="datetimeFigureOut">
               <a:rPr lang="pt-BR" smtClean="0"/>
-              <a:t>23/11/2023</a:t>
+              <a:t>28/11/2023</a:t>
             </a:fld>
             <a:endParaRPr lang="pt-BR"/>
           </a:p>
@@ -6346,13 +6346,13 @@
           <p:nvPr>
             <p:extLst>
               <p:ext uri="{D42A27DB-BD31-4B8C-83A1-F6EECF244321}">
-                <p14:modId xmlns:p14="http://schemas.microsoft.com/office/powerpoint/2010/main" val="3266523630"/>
+                <p14:modId xmlns:p14="http://schemas.microsoft.com/office/powerpoint/2010/main" val="3290931483"/>
               </p:ext>
             </p:extLst>
           </p:nvPr>
         </p:nvGraphicFramePr>
         <p:xfrm>
-          <a:off x="1068703" y="764002"/>
+          <a:off x="928026" y="398242"/>
           <a:ext cx="3629906" cy="3456306"/>
         </p:xfrm>
         <a:graphic>
